--- a/Later/StringBuffer/StringBuffer_9/String Buffer_delete.pptx
+++ b/Later/StringBuffer/StringBuffer_9/String Buffer_delete.pptx
@@ -192,7 +192,7 @@
           <a:p>
             <a:fld id="{62274EC6-3890-417B-9308-14EFBD00FA63}" type="datetimeFigureOut">
               <a:rPr lang="en-US" smtClean="0"/>
-              <a:t>3/9/2016</a:t>
+              <a:t>3/10/2016</a:t>
             </a:fld>
             <a:endParaRPr lang="en-US" dirty="0"/>
           </a:p>
@@ -731,7 +731,7 @@
             <a:fld id="{1D8BD707-D9CF-40AE-B4C6-C98DA3205C09}" type="datetimeFigureOut">
               <a:rPr lang="en-US" smtClean="0"/>
               <a:pPr/>
-              <a:t>3/9/2016</a:t>
+              <a:t>3/10/2016</a:t>
             </a:fld>
             <a:endParaRPr lang="en-US" dirty="0"/>
           </a:p>
@@ -903,7 +903,7 @@
             <a:fld id="{1D8BD707-D9CF-40AE-B4C6-C98DA3205C09}" type="datetimeFigureOut">
               <a:rPr lang="en-US" smtClean="0"/>
               <a:pPr/>
-              <a:t>3/9/2016</a:t>
+              <a:t>3/10/2016</a:t>
             </a:fld>
             <a:endParaRPr lang="en-US" dirty="0"/>
           </a:p>
@@ -1085,7 +1085,7 @@
             <a:fld id="{1D8BD707-D9CF-40AE-B4C6-C98DA3205C09}" type="datetimeFigureOut">
               <a:rPr lang="en-US" smtClean="0"/>
               <a:pPr/>
-              <a:t>3/9/2016</a:t>
+              <a:t>3/10/2016</a:t>
             </a:fld>
             <a:endParaRPr lang="en-US" dirty="0"/>
           </a:p>
@@ -1257,7 +1257,7 @@
             <a:fld id="{1D8BD707-D9CF-40AE-B4C6-C98DA3205C09}" type="datetimeFigureOut">
               <a:rPr lang="en-US" smtClean="0"/>
               <a:pPr/>
-              <a:t>3/9/2016</a:t>
+              <a:t>3/10/2016</a:t>
             </a:fld>
             <a:endParaRPr lang="en-US" dirty="0"/>
           </a:p>
@@ -1505,7 +1505,7 @@
             <a:fld id="{1D8BD707-D9CF-40AE-B4C6-C98DA3205C09}" type="datetimeFigureOut">
               <a:rPr lang="en-US" smtClean="0"/>
               <a:pPr/>
-              <a:t>3/9/2016</a:t>
+              <a:t>3/10/2016</a:t>
             </a:fld>
             <a:endParaRPr lang="en-US" dirty="0"/>
           </a:p>
@@ -1795,7 +1795,7 @@
             <a:fld id="{1D8BD707-D9CF-40AE-B4C6-C98DA3205C09}" type="datetimeFigureOut">
               <a:rPr lang="en-US" smtClean="0"/>
               <a:pPr/>
-              <a:t>3/9/2016</a:t>
+              <a:t>3/10/2016</a:t>
             </a:fld>
             <a:endParaRPr lang="en-US" dirty="0"/>
           </a:p>
@@ -2224,7 +2224,7 @@
             <a:fld id="{1D8BD707-D9CF-40AE-B4C6-C98DA3205C09}" type="datetimeFigureOut">
               <a:rPr lang="en-US" smtClean="0"/>
               <a:pPr/>
-              <a:t>3/9/2016</a:t>
+              <a:t>3/10/2016</a:t>
             </a:fld>
             <a:endParaRPr lang="en-US" dirty="0"/>
           </a:p>
@@ -2344,7 +2344,7 @@
             <a:fld id="{1D8BD707-D9CF-40AE-B4C6-C98DA3205C09}" type="datetimeFigureOut">
               <a:rPr lang="en-US" smtClean="0"/>
               <a:pPr/>
-              <a:t>3/9/2016</a:t>
+              <a:t>3/10/2016</a:t>
             </a:fld>
             <a:endParaRPr lang="en-US" dirty="0"/>
           </a:p>
@@ -2441,7 +2441,7 @@
             <a:fld id="{1D8BD707-D9CF-40AE-B4C6-C98DA3205C09}" type="datetimeFigureOut">
               <a:rPr lang="en-US" smtClean="0"/>
               <a:pPr/>
-              <a:t>3/9/2016</a:t>
+              <a:t>3/10/2016</a:t>
             </a:fld>
             <a:endParaRPr lang="en-US" dirty="0"/>
           </a:p>
@@ -2720,7 +2720,7 @@
             <a:fld id="{1D8BD707-D9CF-40AE-B4C6-C98DA3205C09}" type="datetimeFigureOut">
               <a:rPr lang="en-US" smtClean="0"/>
               <a:pPr/>
-              <a:t>3/9/2016</a:t>
+              <a:t>3/10/2016</a:t>
             </a:fld>
             <a:endParaRPr lang="en-US" dirty="0"/>
           </a:p>
@@ -2975,7 +2975,7 @@
             <a:fld id="{1D8BD707-D9CF-40AE-B4C6-C98DA3205C09}" type="datetimeFigureOut">
               <a:rPr lang="en-US" smtClean="0"/>
               <a:pPr/>
-              <a:t>3/9/2016</a:t>
+              <a:t>3/10/2016</a:t>
             </a:fld>
             <a:endParaRPr lang="en-US" dirty="0"/>
           </a:p>
@@ -3190,7 +3190,7 @@
             <a:fld id="{1D8BD707-D9CF-40AE-B4C6-C98DA3205C09}" type="datetimeFigureOut">
               <a:rPr lang="en-US" smtClean="0"/>
               <a:pPr/>
-              <a:t>3/9/2016</a:t>
+              <a:t>3/10/2016</a:t>
             </a:fld>
             <a:endParaRPr lang="en-US" dirty="0"/>
           </a:p>
@@ -3760,15 +3760,7 @@
             <a:pPr algn="ctr"/>
             <a:r>
               <a:rPr lang="en-US" sz="1200" dirty="0" smtClean="0"/>
-              <a:t>StringBuffer – </a:t>
-            </a:r>
-            <a:r>
-              <a:rPr lang="en-US" sz="1200" dirty="0" smtClean="0"/>
-              <a:t>delete </a:t>
-            </a:r>
-            <a:r>
-              <a:rPr lang="en-US" sz="1200" dirty="0" smtClean="0"/>
-              <a:t>method</a:t>
+              <a:t>StringBuffer – delete method</a:t>
             </a:r>
             <a:endParaRPr lang="en-US" sz="1200" dirty="0"/>
           </a:p>
@@ -4831,15 +4823,7 @@
           <a:p>
             <a:r>
               <a:rPr lang="en-US" sz="1100" dirty="0"/>
-              <a:t>StringBuffer </a:t>
-            </a:r>
-            <a:r>
-              <a:rPr lang="en-US" sz="1100" dirty="0"/>
-              <a:t>sb</a:t>
-            </a:r>
-            <a:r>
-              <a:rPr lang="en-US" sz="1100" dirty="0"/>
-              <a:t> = </a:t>
+              <a:t>StringBuffer sb = </a:t>
             </a:r>
             <a:r>
               <a:rPr lang="en-US" sz="1100" b="1" dirty="0"/>
@@ -4849,11 +4833,7 @@
           <a:p>
             <a:r>
               <a:rPr lang="en-US" sz="1100" dirty="0" smtClean="0"/>
-              <a:t>sb</a:t>
-            </a:r>
-            <a:r>
-              <a:rPr lang="en-US" sz="1100" dirty="0" smtClean="0"/>
-              <a:t> </a:t>
+              <a:t>sb </a:t>
             </a:r>
             <a:r>
               <a:rPr lang="en-US" sz="1100" dirty="0"/>
@@ -4864,6 +4844,44 @@
               <a:t>);  //  “Wele”</a:t>
             </a:r>
             <a:endParaRPr lang="en-US" sz="1100" dirty="0"/>
+          </a:p>
+        </p:txBody>
+      </p:sp>
+      <p:sp>
+        <p:nvSpPr>
+          <p:cNvPr id="2" name="Multiply 1"/>
+          <p:cNvSpPr/>
+          <p:nvPr/>
+        </p:nvSpPr>
+        <p:spPr>
+          <a:xfrm>
+            <a:off x="3349552" y="2939218"/>
+            <a:ext cx="4254267" cy="914400"/>
+          </a:xfrm>
+          <a:prstGeom prst="mathMultiply">
+            <a:avLst/>
+          </a:prstGeom>
+        </p:spPr>
+        <p:style>
+          <a:lnRef idx="1">
+            <a:schemeClr val="accent2"/>
+          </a:lnRef>
+          <a:fillRef idx="3">
+            <a:schemeClr val="accent2"/>
+          </a:fillRef>
+          <a:effectRef idx="2">
+            <a:schemeClr val="accent2"/>
+          </a:effectRef>
+          <a:fontRef idx="minor">
+            <a:schemeClr val="lt1"/>
+          </a:fontRef>
+        </p:style>
+        <p:txBody>
+          <a:bodyPr rtlCol="0" anchor="ctr"/>
+          <a:lstStyle/>
+          <a:p>
+            <a:pPr algn="ctr"/>
+            <a:endParaRPr lang="en-US"/>
           </a:p>
         </p:txBody>
       </p:sp>
